--- a/merged.pptx
+++ b/merged.pptx
@@ -6981,6 +6981,17 @@
 <file path=ppt/slides/slide7.xml><?xml version="1.0" encoding="utf-8"?>
 <p:sld xmlns:a="http://schemas.openxmlformats.org/drawingml/2006/main" xmlns:r="http://schemas.openxmlformats.org/officeDocument/2006/relationships" xmlns:p="http://schemas.openxmlformats.org/presentationml/2006/main">
   <p:cSld>
+    <p:bg>
+      <p:bgPr>
+        <a:solidFill>
+          <a:schemeClr val="bg1">
+            <a:tint val="95000"/>
+            <a:satMod val="170000"/>
+          </a:schemeClr>
+        </a:solidFill>
+        <a:effectLst/>
+      </p:bgPr>
+    </p:bg>
     <p:spTree>
       <p:nvGrpSpPr>
         <p:cNvPr id="1" name=""/>
@@ -7011,222 +7022,625 @@
             <p:ph type="title"/>
           </p:nvPr>
         </p:nvSpPr>
-        <p:spPr/>
-        <p:txBody>
-          <a:bodyPr/>
-          <a:lstStyle/>
-          <a:p>
-            <a:r>
-              <a:rPr lang="en-NZ" dirty="0"/>
-              <a:t>Die 14 </a:t>
-            </a:r>
-            <a:r>
-              <a:rPr lang="en-NZ" dirty="0" err="1"/>
-              <a:t>Domänen</a:t>
-            </a:r>
-            <a:endParaRPr lang="en-NZ" dirty="0"/>
-          </a:p>
-        </p:txBody>
-      </p:sp>
-      <p:sp>
-        <p:nvSpPr>
-          <p:cNvPr id="3" name="Content Placeholder 2">
-            <a:extLst>
-              <a:ext uri="{FF2B5EF4-FFF2-40B4-BE49-F238E27FC236}">
-                <a16:creationId xmlns:a16="http://schemas.microsoft.com/office/drawing/2014/main" id="{9AC28191-DA8B-4354-87B6-BD4E7FE55D91}"/>
-              </a:ext>
-            </a:extLst>
-          </p:cNvPr>
-          <p:cNvSpPr>
-            <a:spLocks noGrp="1"/>
-          </p:cNvSpPr>
-          <p:nvPr>
-            <p:ph sz="half" idx="1"/>
-          </p:nvPr>
-        </p:nvSpPr>
         <p:spPr>
           <a:xfrm>
-            <a:off x="838199" y="1825625"/>
-            <a:ext cx="10515599" cy="4351338"/>
+            <a:off x="781464" y="73652"/>
+            <a:ext cx="5314536" cy="1325563"/>
           </a:xfrm>
         </p:spPr>
         <p:txBody>
-          <a:bodyPr>
-            <a:normAutofit fontScale="62500" lnSpcReduction="20000"/>
+          <a:bodyPr vert="horz" lIns="91440" tIns="45720" rIns="91440" bIns="45720" rtlCol="0" anchor="ctr">
+            <a:normAutofit/>
           </a:bodyPr>
           <a:lstStyle/>
           <a:p>
             <a:r>
-              <a:rPr lang="en-NZ" sz="2700" dirty="0" err="1"/>
+              <a:rPr lang="en-US" kern="1200" dirty="0">
+                <a:solidFill>
+                  <a:schemeClr val="tx1"/>
+                </a:solidFill>
+                <a:latin typeface="+mj-lt"/>
+                <a:ea typeface="+mj-ea"/>
+                <a:cs typeface="+mj-cs"/>
+              </a:rPr>
+              <a:t>Die 14 </a:t>
+            </a:r>
+            <a:r>
+              <a:rPr lang="en-US" kern="1200" dirty="0" err="1">
+                <a:solidFill>
+                  <a:schemeClr val="tx1"/>
+                </a:solidFill>
+                <a:latin typeface="+mj-lt"/>
+                <a:ea typeface="+mj-ea"/>
+                <a:cs typeface="+mj-cs"/>
+              </a:rPr>
+              <a:t>Domänen</a:t>
+            </a:r>
+            <a:endParaRPr lang="en-US" kern="1200" dirty="0">
+              <a:solidFill>
+                <a:schemeClr val="tx1"/>
+              </a:solidFill>
+              <a:latin typeface="+mj-lt"/>
+              <a:ea typeface="+mj-ea"/>
+              <a:cs typeface="+mj-cs"/>
+            </a:endParaRPr>
+          </a:p>
+        </p:txBody>
+      </p:sp>
+      <p:sp>
+        <p:nvSpPr>
+          <p:cNvPr id="3" name="Content Placeholder 2">
+            <a:extLst>
+              <a:ext uri="{FF2B5EF4-FFF2-40B4-BE49-F238E27FC236}">
+                <a16:creationId xmlns:a16="http://schemas.microsoft.com/office/drawing/2014/main" id="{9AC28191-DA8B-4354-87B6-BD4E7FE55D91}"/>
+              </a:ext>
+            </a:extLst>
+          </p:cNvPr>
+          <p:cNvSpPr>
+            <a:spLocks noGrp="1"/>
+          </p:cNvSpPr>
+          <p:nvPr>
+            <p:ph sz="half" idx="1"/>
+          </p:nvPr>
+        </p:nvSpPr>
+        <p:spPr>
+          <a:xfrm>
+            <a:off x="762000" y="1399215"/>
+            <a:ext cx="5314543" cy="4800418"/>
+          </a:xfrm>
+        </p:spPr>
+        <p:txBody>
+          <a:bodyPr vert="horz" lIns="91440" tIns="45720" rIns="91440" bIns="45720" rtlCol="0" anchor="t">
+            <a:normAutofit fontScale="77500" lnSpcReduction="20000"/>
+          </a:bodyPr>
+          <a:lstStyle/>
+          <a:p>
+            <a:r>
+              <a:rPr lang="en-US" sz="2000" dirty="0" err="1"/>
               <a:t>Sicherheitspolitik</a:t>
             </a:r>
             <a:r>
-              <a:rPr lang="en-NZ" sz="2700" dirty="0"/>
+              <a:rPr lang="en-US" sz="2000" dirty="0"/>
               <a:t> – 2 Controls (Valentin)</a:t>
             </a:r>
           </a:p>
           <a:p>
             <a:r>
-              <a:rPr lang="en-NZ" sz="2700" dirty="0"/>
-              <a:t>Organisation der </a:t>
-            </a:r>
-            <a:r>
-              <a:rPr lang="en-NZ" sz="2700" dirty="0" err="1"/>
+              <a:rPr lang="en-US" sz="2000" dirty="0" err="1"/>
+              <a:t>Organisation</a:t>
+            </a:r>
+            <a:r>
+              <a:rPr lang="en-US" sz="2000" dirty="0"/>
+              <a:t> der </a:t>
+            </a:r>
+            <a:r>
+              <a:rPr lang="en-US" sz="2000" dirty="0" err="1"/>
               <a:t>Informationssicherheit</a:t>
             </a:r>
             <a:r>
-              <a:rPr lang="en-NZ" sz="2700" dirty="0"/>
+              <a:rPr lang="en-US" sz="2000" dirty="0"/>
               <a:t> – 7 Controls (Valentin)</a:t>
             </a:r>
           </a:p>
           <a:p>
             <a:r>
-              <a:rPr lang="en-NZ" sz="2700" dirty="0" err="1"/>
+              <a:rPr lang="en-US" sz="2000" dirty="0" err="1"/>
               <a:t>Personalsicherheit</a:t>
             </a:r>
             <a:r>
-              <a:rPr lang="en-NZ" sz="2700" dirty="0"/>
+              <a:rPr lang="en-US" sz="2000" dirty="0"/>
               <a:t> – 6 Controls (Nicola)</a:t>
             </a:r>
           </a:p>
           <a:p>
             <a:r>
-              <a:rPr lang="en-NZ" sz="2700" dirty="0" err="1"/>
+              <a:rPr lang="en-US" sz="2000" dirty="0" err="1"/>
               <a:t>Ressourcenmanagement</a:t>
             </a:r>
             <a:r>
-              <a:rPr lang="en-NZ" sz="2700" dirty="0"/>
+              <a:rPr lang="en-US" sz="2000" dirty="0"/>
               <a:t> – 10 Controls (Valentin)</a:t>
             </a:r>
           </a:p>
           <a:p>
             <a:r>
-              <a:rPr lang="en-NZ" sz="2700" dirty="0" err="1"/>
+              <a:rPr lang="en-US" sz="2000" dirty="0" err="1"/>
               <a:t>Zugriffskontrolle</a:t>
             </a:r>
             <a:r>
-              <a:rPr lang="en-NZ" sz="2700" dirty="0"/>
+              <a:rPr lang="en-US" sz="2000" dirty="0"/>
               <a:t> – 14 Controls (Marcel)</a:t>
             </a:r>
           </a:p>
           <a:p>
             <a:r>
-              <a:rPr lang="en-NZ" sz="2700" dirty="0" err="1"/>
+              <a:rPr lang="en-US" sz="2000" dirty="0" err="1"/>
               <a:t>Kryptografie</a:t>
             </a:r>
             <a:r>
-              <a:rPr lang="en-NZ" sz="2700" dirty="0"/>
+              <a:rPr lang="en-US" sz="2000" dirty="0"/>
               <a:t> – 2 Controls (Nicola)</a:t>
             </a:r>
           </a:p>
           <a:p>
             <a:r>
-              <a:rPr lang="en-NZ" sz="2700" dirty="0" err="1"/>
+              <a:rPr lang="en-US" sz="2000" dirty="0" err="1"/>
               <a:t>Umgebungssicherheit</a:t>
             </a:r>
             <a:r>
-              <a:rPr lang="en-NZ" sz="2700" dirty="0"/>
+              <a:rPr lang="en-US" sz="2000" dirty="0"/>
               <a:t> – 15 Controls (Nicola)</a:t>
             </a:r>
           </a:p>
           <a:p>
             <a:r>
-              <a:rPr lang="en-NZ" sz="2700" dirty="0" err="1"/>
+              <a:rPr lang="en-US" sz="2000" dirty="0" err="1"/>
               <a:t>Betriebssicherheit</a:t>
             </a:r>
             <a:r>
-              <a:rPr lang="en-NZ" sz="2700" dirty="0"/>
+              <a:rPr lang="en-US" sz="2000" dirty="0"/>
               <a:t> – 14 Controls (Moritz)</a:t>
             </a:r>
           </a:p>
           <a:p>
             <a:r>
-              <a:rPr lang="en-NZ" sz="2700" dirty="0" err="1"/>
+              <a:rPr lang="en-US" sz="2000" dirty="0" err="1"/>
               <a:t>Kommunikationssicherheit</a:t>
             </a:r>
             <a:r>
-              <a:rPr lang="en-NZ" sz="2700" dirty="0"/>
+              <a:rPr lang="en-US" sz="2000" dirty="0"/>
               <a:t> – 7 Controls (Moritz)</a:t>
             </a:r>
           </a:p>
           <a:p>
             <a:r>
-              <a:rPr lang="en-NZ" sz="2700" dirty="0" err="1"/>
+              <a:rPr lang="en-US" sz="2000" dirty="0" err="1"/>
               <a:t>Systemerwerb</a:t>
             </a:r>
             <a:r>
-              <a:rPr lang="en-NZ" sz="2700" dirty="0"/>
+              <a:rPr lang="en-US" sz="2000" dirty="0"/>
               <a:t>, </a:t>
             </a:r>
             <a:r>
-              <a:rPr lang="en-NZ" sz="2700" dirty="0" err="1"/>
+              <a:rPr lang="en-US" sz="2000" dirty="0" err="1"/>
               <a:t>Entwicklung</a:t>
             </a:r>
             <a:r>
-              <a:rPr lang="en-NZ" sz="2700" dirty="0"/>
+              <a:rPr lang="en-US" sz="2000" dirty="0"/>
               <a:t> und </a:t>
             </a:r>
             <a:r>
-              <a:rPr lang="en-NZ" sz="2700" dirty="0" err="1"/>
+              <a:rPr lang="en-US" sz="2000" dirty="0" err="1"/>
               <a:t>Wartung</a:t>
             </a:r>
             <a:r>
-              <a:rPr lang="en-NZ" sz="2700" dirty="0"/>
+              <a:rPr lang="en-US" sz="2000" dirty="0"/>
               <a:t> – 13 Controls (Nicola)</a:t>
             </a:r>
           </a:p>
           <a:p>
             <a:r>
-              <a:rPr lang="en-NZ" sz="2700" dirty="0" err="1"/>
+              <a:rPr lang="en-US" sz="2000" dirty="0" err="1"/>
               <a:t>Lieferantenbeziehungen</a:t>
             </a:r>
             <a:r>
-              <a:rPr lang="en-NZ" sz="2700" dirty="0"/>
+              <a:rPr lang="en-US" sz="2000" dirty="0"/>
               <a:t>  - 5 Controls (Moritz)</a:t>
             </a:r>
           </a:p>
           <a:p>
             <a:r>
-              <a:rPr lang="en-NZ" sz="2700" dirty="0" err="1"/>
+              <a:rPr lang="en-US" sz="2000" dirty="0" err="1"/>
               <a:t>Informationssicherheits-Störfallmanagement</a:t>
             </a:r>
             <a:r>
-              <a:rPr lang="en-NZ" sz="2700" dirty="0"/>
+              <a:rPr lang="en-US" sz="2000" dirty="0"/>
               <a:t> – 7 Controls (Marcel)</a:t>
             </a:r>
           </a:p>
           <a:p>
             <a:r>
-              <a:rPr lang="en-NZ" sz="2700" dirty="0" err="1"/>
+              <a:rPr lang="en-US" sz="2000" dirty="0" err="1"/>
               <a:t>Kontinuitätsmanagement</a:t>
             </a:r>
             <a:r>
-              <a:rPr lang="en-NZ" sz="2700" dirty="0"/>
+              <a:rPr lang="en-US" sz="2000" dirty="0"/>
               <a:t> – 4 Controls (Marcel)</a:t>
             </a:r>
           </a:p>
           <a:p>
             <a:r>
-              <a:rPr lang="en-NZ" sz="2700" dirty="0"/>
+              <a:rPr lang="en-US" sz="2000" dirty="0"/>
               <a:t>Compliance/</a:t>
             </a:r>
             <a:r>
-              <a:rPr lang="en-NZ" sz="2700" dirty="0" err="1"/>
+              <a:rPr lang="en-US" sz="2000" dirty="0" err="1"/>
               <a:t>Konformität</a:t>
             </a:r>
             <a:r>
-              <a:rPr lang="en-NZ" sz="2700" dirty="0"/>
+              <a:rPr lang="en-US" sz="2000" dirty="0"/>
               <a:t> – 8 Controls (Valentin)</a:t>
             </a:r>
           </a:p>
           <a:p>
-            <a:endParaRPr lang="en-NZ" sz="2600" dirty="0"/>
-          </a:p>
-          <a:p>
-            <a:endParaRPr lang="en-NZ" sz="2600" dirty="0"/>
-          </a:p>
-        </p:txBody>
-      </p:sp>
+            <a:endParaRPr lang="en-US" sz="700" dirty="0"/>
+          </a:p>
+          <a:p>
+            <a:endParaRPr lang="en-US" sz="700" dirty="0"/>
+          </a:p>
+        </p:txBody>
+      </p:sp>
+      <p:sp>
+        <p:nvSpPr>
+          <p:cNvPr id="25" name="Freeform: Shape 12">
+            <a:extLst>
+              <a:ext uri="{FF2B5EF4-FFF2-40B4-BE49-F238E27FC236}">
+                <a16:creationId xmlns:a16="http://schemas.microsoft.com/office/drawing/2014/main" id="{CF62D2A7-8207-488C-9F46-316BA81A16C8}"/>
+              </a:ext>
+              <a:ext uri="{C183D7F6-B498-43B3-948B-1728B52AA6E4}">
+                <adec:decorative xmlns:adec="http://schemas.microsoft.com/office/drawing/2017/decorative" val="1"/>
+              </a:ext>
+            </a:extLst>
+          </p:cNvPr>
+          <p:cNvSpPr>
+            <a:spLocks noGrp="1" noRot="1" noChangeAspect="1" noMove="1" noResize="1" noEditPoints="1" noAdjustHandles="1" noChangeArrowheads="1" noChangeShapeType="1" noTextEdit="1"/>
+          </p:cNvSpPr>
+          <p:nvPr>
+            <p:extLst>
+              <p:ext uri="{386F3935-93C4-4BCD-93E2-E3B085C9AB24}">
+                <p16:designElem xmlns:p16="http://schemas.microsoft.com/office/powerpoint/2015/main" val="1"/>
+              </p:ext>
+            </p:extLst>
+          </p:nvPr>
+        </p:nvSpPr>
+        <p:spPr>
+          <a:xfrm flipH="1">
+            <a:off x="6582780" y="-2008"/>
+            <a:ext cx="5609220" cy="5840278"/>
+          </a:xfrm>
+          <a:custGeom>
+            <a:avLst/>
+            <a:gdLst>
+              <a:gd name="connsiteX0" fmla="*/ 0 w 5609220"/>
+              <a:gd name="connsiteY0" fmla="*/ 0 h 5840278"/>
+              <a:gd name="connsiteX1" fmla="*/ 4637091 w 5609220"/>
+              <a:gd name="connsiteY1" fmla="*/ 0 h 5840278"/>
+              <a:gd name="connsiteX2" fmla="*/ 4822569 w 5609220"/>
+              <a:gd name="connsiteY2" fmla="*/ 204077 h 5840278"/>
+              <a:gd name="connsiteX3" fmla="*/ 5609220 w 5609220"/>
+              <a:gd name="connsiteY3" fmla="*/ 2395363 h 5840278"/>
+              <a:gd name="connsiteX4" fmla="*/ 2164305 w 5609220"/>
+              <a:gd name="connsiteY4" fmla="*/ 5840278 h 5840278"/>
+              <a:gd name="connsiteX5" fmla="*/ 238220 w 5609220"/>
+              <a:gd name="connsiteY5" fmla="*/ 5251941 h 5840278"/>
+              <a:gd name="connsiteX6" fmla="*/ 0 w 5609220"/>
+              <a:gd name="connsiteY6" fmla="*/ 5073803 h 5840278"/>
+            </a:gdLst>
+            <a:ahLst/>
+            <a:cxnLst>
+              <a:cxn ang="0">
+                <a:pos x="connsiteX0" y="connsiteY0"/>
+              </a:cxn>
+              <a:cxn ang="0">
+                <a:pos x="connsiteX1" y="connsiteY1"/>
+              </a:cxn>
+              <a:cxn ang="0">
+                <a:pos x="connsiteX2" y="connsiteY2"/>
+              </a:cxn>
+              <a:cxn ang="0">
+                <a:pos x="connsiteX3" y="connsiteY3"/>
+              </a:cxn>
+              <a:cxn ang="0">
+                <a:pos x="connsiteX4" y="connsiteY4"/>
+              </a:cxn>
+              <a:cxn ang="0">
+                <a:pos x="connsiteX5" y="connsiteY5"/>
+              </a:cxn>
+              <a:cxn ang="0">
+                <a:pos x="connsiteX6" y="connsiteY6"/>
+              </a:cxn>
+            </a:cxnLst>
+            <a:rect l="l" t="t" r="r" b="b"/>
+            <a:pathLst>
+              <a:path w="5609220" h="5840278">
+                <a:moveTo>
+                  <a:pt x="0" y="0"/>
+                </a:moveTo>
+                <a:lnTo>
+                  <a:pt x="4637091" y="0"/>
+                </a:lnTo>
+                <a:lnTo>
+                  <a:pt x="4822569" y="204077"/>
+                </a:lnTo>
+                <a:cubicBezTo>
+                  <a:pt x="5314007" y="799562"/>
+                  <a:pt x="5609220" y="1562987"/>
+                  <a:pt x="5609220" y="2395363"/>
+                </a:cubicBezTo>
+                <a:cubicBezTo>
+                  <a:pt x="5609220" y="4297937"/>
+                  <a:pt x="4066879" y="5840278"/>
+                  <a:pt x="2164305" y="5840278"/>
+                </a:cubicBezTo>
+                <a:cubicBezTo>
+                  <a:pt x="1450840" y="5840278"/>
+                  <a:pt x="788032" y="5623387"/>
+                  <a:pt x="238220" y="5251941"/>
+                </a:cubicBezTo>
+                <a:lnTo>
+                  <a:pt x="0" y="5073803"/>
+                </a:lnTo>
+                <a:close/>
+              </a:path>
+            </a:pathLst>
+          </a:custGeom>
+          <a:solidFill>
+            <a:srgbClr val="FFFFFF">
+              <a:alpha val="80000"/>
+            </a:srgbClr>
+          </a:solidFill>
+          <a:ln>
+            <a:noFill/>
+          </a:ln>
+        </p:spPr>
+        <p:style>
+          <a:lnRef idx="2">
+            <a:schemeClr val="accent1">
+              <a:shade val="50000"/>
+            </a:schemeClr>
+          </a:lnRef>
+          <a:fillRef idx="1">
+            <a:schemeClr val="accent1"/>
+          </a:fillRef>
+          <a:effectRef idx="0">
+            <a:schemeClr val="accent1"/>
+          </a:effectRef>
+          <a:fontRef idx="minor">
+            <a:schemeClr val="lt1"/>
+          </a:fontRef>
+        </p:style>
+        <p:txBody>
+          <a:bodyPr rtlCol="0" anchor="ctr"/>
+          <a:lstStyle/>
+          <a:p>
+            <a:pPr marL="0" marR="0" lvl="0" indent="0" algn="ctr" defTabSz="914400" rtl="0" eaLnBrk="1" fontAlgn="auto" latinLnBrk="0" hangingPunct="1">
+              <a:lnSpc>
+                <a:spcPct val="100000"/>
+              </a:lnSpc>
+              <a:spcBef>
+                <a:spcPts val="0"/>
+              </a:spcBef>
+              <a:spcAft>
+                <a:spcPts val="0"/>
+              </a:spcAft>
+              <a:buClrTx/>
+              <a:buSzTx/>
+              <a:buFontTx/>
+              <a:buNone/>
+              <a:tabLst/>
+              <a:defRPr/>
+            </a:pPr>
+            <a:endParaRPr kumimoji="0" lang="en-US" sz="1800" b="0" i="0" u="none" strike="noStrike" kern="1200" cap="none" spc="0" normalizeH="0" baseline="0" noProof="0">
+              <a:ln>
+                <a:noFill/>
+              </a:ln>
+              <a:solidFill>
+                <a:prstClr val="white"/>
+              </a:solidFill>
+              <a:effectLst/>
+              <a:uLnTx/>
+              <a:uFillTx/>
+              <a:latin typeface="Calibri" panose="020F0502020204030204"/>
+              <a:ea typeface="+mn-ea"/>
+              <a:cs typeface="+mn-cs"/>
+            </a:endParaRPr>
+          </a:p>
+        </p:txBody>
+      </p:sp>
+      <p:sp>
+        <p:nvSpPr>
+          <p:cNvPr id="15" name="Freeform: Shape 14">
+            <a:extLst>
+              <a:ext uri="{FF2B5EF4-FFF2-40B4-BE49-F238E27FC236}">
+                <a16:creationId xmlns:a16="http://schemas.microsoft.com/office/drawing/2014/main" id="{52AC6D7F-F068-4E11-BB06-F601D89BB980}"/>
+              </a:ext>
+              <a:ext uri="{C183D7F6-B498-43B3-948B-1728B52AA6E4}">
+                <adec:decorative xmlns:adec="http://schemas.microsoft.com/office/drawing/2017/decorative" val="1"/>
+              </a:ext>
+            </a:extLst>
+          </p:cNvPr>
+          <p:cNvSpPr>
+            <a:spLocks noGrp="1" noRot="1" noChangeAspect="1" noMove="1" noResize="1" noEditPoints="1" noAdjustHandles="1" noChangeArrowheads="1" noChangeShapeType="1" noTextEdit="1"/>
+          </p:cNvSpPr>
+          <p:nvPr>
+            <p:extLst>
+              <p:ext uri="{386F3935-93C4-4BCD-93E2-E3B085C9AB24}">
+                <p16:designElem xmlns:p16="http://schemas.microsoft.com/office/powerpoint/2015/main" val="1"/>
+              </p:ext>
+            </p:extLst>
+          </p:nvPr>
+        </p:nvSpPr>
+        <p:spPr>
+          <a:xfrm>
+            <a:off x="6750141" y="-2"/>
+            <a:ext cx="5441859" cy="5654940"/>
+          </a:xfrm>
+          <a:custGeom>
+            <a:avLst/>
+            <a:gdLst>
+              <a:gd name="connsiteX0" fmla="*/ 1041368 w 5441859"/>
+              <a:gd name="connsiteY0" fmla="*/ 0 h 5654940"/>
+              <a:gd name="connsiteX1" fmla="*/ 5441859 w 5441859"/>
+              <a:gd name="connsiteY1" fmla="*/ 0 h 5654940"/>
+              <a:gd name="connsiteX2" fmla="*/ 5441859 w 5441859"/>
+              <a:gd name="connsiteY2" fmla="*/ 4820612 h 5654940"/>
+              <a:gd name="connsiteX3" fmla="*/ 5285166 w 5441859"/>
+              <a:gd name="connsiteY3" fmla="*/ 4957981 h 5654940"/>
+              <a:gd name="connsiteX4" fmla="*/ 3267719 w 5441859"/>
+              <a:gd name="connsiteY4" fmla="*/ 5654940 h 5654940"/>
+              <a:gd name="connsiteX5" fmla="*/ 0 w 5441859"/>
+              <a:gd name="connsiteY5" fmla="*/ 2387221 h 5654940"/>
+              <a:gd name="connsiteX6" fmla="*/ 957093 w 5441859"/>
+              <a:gd name="connsiteY6" fmla="*/ 76595 h 5654940"/>
+            </a:gdLst>
+            <a:ahLst/>
+            <a:cxnLst>
+              <a:cxn ang="0">
+                <a:pos x="connsiteX0" y="connsiteY0"/>
+              </a:cxn>
+              <a:cxn ang="0">
+                <a:pos x="connsiteX1" y="connsiteY1"/>
+              </a:cxn>
+              <a:cxn ang="0">
+                <a:pos x="connsiteX2" y="connsiteY2"/>
+              </a:cxn>
+              <a:cxn ang="0">
+                <a:pos x="connsiteX3" y="connsiteY3"/>
+              </a:cxn>
+              <a:cxn ang="0">
+                <a:pos x="connsiteX4" y="connsiteY4"/>
+              </a:cxn>
+              <a:cxn ang="0">
+                <a:pos x="connsiteX5" y="connsiteY5"/>
+              </a:cxn>
+              <a:cxn ang="0">
+                <a:pos x="connsiteX6" y="connsiteY6"/>
+              </a:cxn>
+            </a:cxnLst>
+            <a:rect l="l" t="t" r="r" b="b"/>
+            <a:pathLst>
+              <a:path w="5441859" h="5654940">
+                <a:moveTo>
+                  <a:pt x="1041368" y="0"/>
+                </a:moveTo>
+                <a:lnTo>
+                  <a:pt x="5441859" y="0"/>
+                </a:lnTo>
+                <a:lnTo>
+                  <a:pt x="5441859" y="4820612"/>
+                </a:lnTo>
+                <a:lnTo>
+                  <a:pt x="5285166" y="4957981"/>
+                </a:lnTo>
+                <a:cubicBezTo>
+                  <a:pt x="4729628" y="5394557"/>
+                  <a:pt x="4029081" y="5654940"/>
+                  <a:pt x="3267719" y="5654940"/>
+                </a:cubicBezTo>
+                <a:cubicBezTo>
+                  <a:pt x="1463008" y="5654940"/>
+                  <a:pt x="0" y="4191932"/>
+                  <a:pt x="0" y="2387221"/>
+                </a:cubicBezTo>
+                <a:cubicBezTo>
+                  <a:pt x="0" y="1484866"/>
+                  <a:pt x="365752" y="667936"/>
+                  <a:pt x="957093" y="76595"/>
+                </a:cubicBezTo>
+                <a:close/>
+              </a:path>
+            </a:pathLst>
+          </a:custGeom>
+          <a:solidFill>
+            <a:schemeClr val="tx1"/>
+          </a:solidFill>
+          <a:ln>
+            <a:noFill/>
+          </a:ln>
+        </p:spPr>
+        <p:style>
+          <a:lnRef idx="2">
+            <a:schemeClr val="accent1">
+              <a:shade val="50000"/>
+            </a:schemeClr>
+          </a:lnRef>
+          <a:fillRef idx="1">
+            <a:schemeClr val="accent1"/>
+          </a:fillRef>
+          <a:effectRef idx="0">
+            <a:schemeClr val="accent1"/>
+          </a:effectRef>
+          <a:fontRef idx="minor">
+            <a:schemeClr val="lt1"/>
+          </a:fontRef>
+        </p:style>
+        <p:txBody>
+          <a:bodyPr rtlCol="0" anchor="ctr"/>
+          <a:lstStyle/>
+          <a:p>
+            <a:pPr marL="0" marR="0" lvl="0" indent="0" algn="ctr" defTabSz="914400" rtl="0" eaLnBrk="1" fontAlgn="auto" latinLnBrk="0" hangingPunct="1">
+              <a:lnSpc>
+                <a:spcPct val="100000"/>
+              </a:lnSpc>
+              <a:spcBef>
+                <a:spcPts val="0"/>
+              </a:spcBef>
+              <a:spcAft>
+                <a:spcPts val="0"/>
+              </a:spcAft>
+              <a:buClrTx/>
+              <a:buSzTx/>
+              <a:buFontTx/>
+              <a:buNone/>
+              <a:tabLst/>
+              <a:defRPr/>
+            </a:pPr>
+            <a:endParaRPr kumimoji="0" lang="en-US" sz="1800" b="0" i="0" u="none" strike="noStrike" kern="1200" cap="none" spc="0" normalizeH="0" baseline="0" noProof="0">
+              <a:ln>
+                <a:noFill/>
+              </a:ln>
+              <a:solidFill>
+                <a:prstClr val="white"/>
+              </a:solidFill>
+              <a:effectLst/>
+              <a:uLnTx/>
+              <a:uFillTx/>
+              <a:latin typeface="Calibri" panose="020F0502020204030204"/>
+              <a:ea typeface="+mn-ea"/>
+              <a:cs typeface="+mn-cs"/>
+            </a:endParaRPr>
+          </a:p>
+        </p:txBody>
+      </p:sp>
+      <p:pic>
+        <p:nvPicPr>
+          <p:cNvPr id="10" name="Graphic 9" descr="Laptop Secure">
+            <a:extLst>
+              <a:ext uri="{FF2B5EF4-FFF2-40B4-BE49-F238E27FC236}">
+                <a16:creationId xmlns:a16="http://schemas.microsoft.com/office/drawing/2014/main" id="{62A86241-3E86-4275-975E-2322E0B29C89}"/>
+              </a:ext>
+            </a:extLst>
+          </p:cNvPr>
+          <p:cNvPicPr>
+            <a:picLocks noChangeAspect="1"/>
+          </p:cNvPicPr>
+          <p:nvPr/>
+        </p:nvPicPr>
+        <p:blipFill>
+          <a:blip r:embed="rId2">
+            <a:extLst>
+              <a:ext uri="{28A0092B-C50C-407E-A947-70E740481C1C}">
+                <a14:useLocalDpi xmlns:a14="http://schemas.microsoft.com/office/drawing/2010/main" val="0"/>
+              </a:ext>
+              <a:ext uri="{96DAC541-7B7A-43D3-8B79-37D633B846F1}">
+                <asvg:svgBlip xmlns:asvg="http://schemas.microsoft.com/office/drawing/2016/SVG/main" r:embed="rId3"/>
+              </a:ext>
+            </a:extLst>
+          </a:blip>
+          <a:stretch>
+            <a:fillRect/>
+          </a:stretch>
+        </p:blipFill>
+        <p:spPr>
+          <a:xfrm>
+            <a:off x="8297134" y="953394"/>
+            <a:ext cx="2930708" cy="2930708"/>
+          </a:xfrm>
+          <a:prstGeom prst="rect">
+            <a:avLst/>
+          </a:prstGeom>
+        </p:spPr>
+      </p:pic>
       <p:sp>
         <p:nvSpPr>
           <p:cNvPr id="5" name="Footer Placeholder 4">
@@ -7243,76 +7657,97 @@
             <p:ph type="ftr" sz="quarter" idx="11"/>
           </p:nvPr>
         </p:nvSpPr>
-        <p:spPr/>
-        <p:txBody>
-          <a:bodyPr/>
+        <p:spPr>
+          <a:xfrm>
+            <a:off x="6053666" y="6199632"/>
+            <a:ext cx="4802755" cy="310896"/>
+          </a:xfrm>
+        </p:spPr>
+        <p:txBody>
+          <a:bodyPr vert="horz" lIns="91440" tIns="45720" rIns="91440" bIns="45720" rtlCol="0" anchor="ctr">
+            <a:normAutofit/>
+          </a:bodyPr>
           <a:lstStyle/>
           <a:p>
-            <a:pPr lvl="0" algn="l">
+            <a:pPr lvl="0" algn="r">
               <a:spcAft>
                 <a:spcPts val="600"/>
               </a:spcAft>
               <a:defRPr/>
             </a:pPr>
             <a:r>
-              <a:rPr lang="de-DE" dirty="0">
+              <a:rPr lang="en-US" sz="1100" kern="1200">
                 <a:solidFill>
-                  <a:prstClr val="black">
+                  <a:schemeClr val="tx1">
                     <a:alpha val="80000"/>
-                  </a:prstClr>
+                  </a:schemeClr>
+                </a:solidFill>
+                <a:latin typeface="+mn-lt"/>
+                <a:ea typeface="+mn-ea"/>
+                <a:cs typeface="+mn-cs"/>
+              </a:rPr>
+              <a:t>WS19/20 – ISO 27001 - Hertel, Kossendey, Kühnert, Withöft</a:t>
+            </a:r>
+          </a:p>
+        </p:txBody>
+      </p:sp>
+      <p:sp>
+        <p:nvSpPr>
+          <p:cNvPr id="6" name="Slide Number Placeholder 5">
+            <a:extLst>
+              <a:ext uri="{FF2B5EF4-FFF2-40B4-BE49-F238E27FC236}">
+                <a16:creationId xmlns:a16="http://schemas.microsoft.com/office/drawing/2014/main" id="{C9C612A4-9BC1-4651-9D59-CD8EB7340945}"/>
+              </a:ext>
+            </a:extLst>
+          </p:cNvPr>
+          <p:cNvSpPr>
+            <a:spLocks noGrp="1"/>
+          </p:cNvSpPr>
+          <p:nvPr>
+            <p:ph type="sldNum" sz="quarter" idx="12"/>
+          </p:nvPr>
+        </p:nvSpPr>
+        <p:spPr>
+          <a:xfrm>
+            <a:off x="11000232" y="6108192"/>
+            <a:ext cx="548640" cy="548640"/>
+          </a:xfrm>
+          <a:prstGeom prst="ellipse">
+            <a:avLst/>
+          </a:prstGeom>
+          <a:solidFill>
+            <a:srgbClr val="7F7F7F"/>
+          </a:solidFill>
+        </p:spPr>
+        <p:txBody>
+          <a:bodyPr vert="horz" lIns="91440" tIns="45720" rIns="91440" bIns="45720" rtlCol="0" anchor="ctr">
+            <a:normAutofit/>
+          </a:bodyPr>
+          <a:lstStyle/>
+          <a:p>
+            <a:pPr algn="ctr">
+              <a:spcAft>
+                <a:spcPts val="600"/>
+              </a:spcAft>
+            </a:pPr>
+            <a:fld id="{969E759D-A893-4B96-8B48-96EE547EBC41}" type="slidenum">
+              <a:rPr lang="en-US" sz="1500">
+                <a:solidFill>
+                  <a:srgbClr val="FFFFFF"/>
                 </a:solidFill>
               </a:rPr>
-              <a:t>WS19/20 – ISO 27001 - Hertel, </a:t>
-            </a:r>
-            <a:r>
-              <a:rPr lang="de-DE" dirty="0" err="1">
-                <a:solidFill>
-                  <a:prstClr val="black">
-                    <a:alpha val="80000"/>
-                  </a:prstClr>
-                </a:solidFill>
-              </a:rPr>
-              <a:t>Kossendey</a:t>
-            </a:r>
-            <a:r>
-              <a:rPr lang="de-DE" dirty="0">
-                <a:solidFill>
-                  <a:prstClr val="black">
-                    <a:alpha val="80000"/>
-                  </a:prstClr>
-                </a:solidFill>
-              </a:rPr>
-              <a:t>, Kühnert, Withöft</a:t>
-            </a:r>
-          </a:p>
-        </p:txBody>
-      </p:sp>
-      <p:sp>
-        <p:nvSpPr>
-          <p:cNvPr id="6" name="Slide Number Placeholder 5">
-            <a:extLst>
-              <a:ext uri="{FF2B5EF4-FFF2-40B4-BE49-F238E27FC236}">
-                <a16:creationId xmlns:a16="http://schemas.microsoft.com/office/drawing/2014/main" id="{C9C612A4-9BC1-4651-9D59-CD8EB7340945}"/>
-              </a:ext>
-            </a:extLst>
-          </p:cNvPr>
-          <p:cNvSpPr>
-            <a:spLocks noGrp="1"/>
-          </p:cNvSpPr>
-          <p:nvPr>
-            <p:ph type="sldNum" sz="quarter" idx="12"/>
-          </p:nvPr>
-        </p:nvSpPr>
-        <p:spPr/>
-        <p:txBody>
-          <a:bodyPr/>
-          <a:lstStyle/>
-          <a:p>
-            <a:fld id="{969E759D-A893-4B96-8B48-96EE547EBC41}" type="slidenum">
-              <a:rPr lang="de-DE" smtClean="0"/>
+              <a:pPr algn="ctr">
+                <a:spcAft>
+                  <a:spcPts val="600"/>
+                </a:spcAft>
+              </a:pPr>
               <a:t>7</a:t>
             </a:fld>
-            <a:endParaRPr lang="de-DE"/>
+            <a:endParaRPr lang="en-US" sz="1500">
+              <a:solidFill>
+                <a:srgbClr val="FFFFFF"/>
+              </a:solidFill>
+            </a:endParaRPr>
           </a:p>
         </p:txBody>
       </p:sp>
@@ -7324,7 +7759,7 @@
     </p:extLst>
   </p:cSld>
   <p:clrMapOvr>
-    <a:masterClrMapping/>
+    <a:overrideClrMapping bg1="dk1" tx1="lt1" bg2="dk2" tx2="lt2" accent1="accent1" accent2="accent2" accent3="accent3" accent4="accent4" accent5="accent5" accent6="accent6" hlink="hlink" folHlink="folHlink"/>
   </p:clrMapOvr>
 </p:sld>
 </file>

--- a/merged.pptx
+++ b/merged.pptx
@@ -231,7 +231,7 @@
           <a:p>
             <a:fld id="{45BAF5FC-A74A-4194-B400-41A03DD9C024}" type="datetimeFigureOut">
               <a:rPr lang="de-DE" smtClean="0"/>
-              <a:t>05.01.2020</a:t>
+              <a:t>14.01.2020</a:t>
             </a:fld>
             <a:endParaRPr lang="de-DE"/>
           </a:p>
@@ -648,7 +648,7 @@
           <a:p>
             <a:fld id="{45D0F98D-38D5-4C1A-A003-148E75DBF760}" type="datetime1">
               <a:rPr lang="de-DE" smtClean="0"/>
-              <a:t>05.01.2020</a:t>
+              <a:t>14.01.2020</a:t>
             </a:fld>
             <a:endParaRPr lang="de-DE"/>
           </a:p>
@@ -885,7 +885,7 @@
           <a:p>
             <a:fld id="{35EE94FD-1B66-443A-A78C-7063FFFB3DB5}" type="datetime1">
               <a:rPr lang="de-DE" smtClean="0"/>
-              <a:t>05.01.2020</a:t>
+              <a:t>14.01.2020</a:t>
             </a:fld>
             <a:endParaRPr lang="de-DE"/>
           </a:p>
@@ -1109,7 +1109,7 @@
           <a:p>
             <a:fld id="{846435C6-9F94-4AA4-B35A-39DE494D17EA}" type="datetime1">
               <a:rPr lang="de-DE" smtClean="0"/>
-              <a:t>05.01.2020</a:t>
+              <a:t>14.01.2020</a:t>
             </a:fld>
             <a:endParaRPr lang="de-DE"/>
           </a:p>
@@ -1323,7 +1323,7 @@
           <a:p>
             <a:fld id="{7BA378BF-52EB-4C5B-B6BB-996DFE0988BD}" type="datetime1">
               <a:rPr lang="de-DE" smtClean="0"/>
-              <a:t>05.01.2020</a:t>
+              <a:t>14.01.2020</a:t>
             </a:fld>
             <a:endParaRPr lang="de-DE"/>
           </a:p>
@@ -1631,7 +1631,7 @@
           <a:p>
             <a:fld id="{546325AB-2200-4FF3-AF2A-B172FFDDBDF4}" type="datetime1">
               <a:rPr lang="de-DE" smtClean="0"/>
-              <a:t>05.01.2020</a:t>
+              <a:t>14.01.2020</a:t>
             </a:fld>
             <a:endParaRPr lang="de-DE"/>
           </a:p>
@@ -1913,7 +1913,7 @@
           <a:p>
             <a:fld id="{4BD4E413-4B36-416A-99F8-917101FD3552}" type="datetime1">
               <a:rPr lang="de-DE" smtClean="0"/>
-              <a:t>05.01.2020</a:t>
+              <a:t>14.01.2020</a:t>
             </a:fld>
             <a:endParaRPr lang="de-DE"/>
           </a:p>
@@ -2342,7 +2342,7 @@
           <a:p>
             <a:fld id="{350CD5BB-2135-4C1C-9EB9-6B104A7F1852}" type="datetime1">
               <a:rPr lang="de-DE" smtClean="0"/>
-              <a:t>05.01.2020</a:t>
+              <a:t>14.01.2020</a:t>
             </a:fld>
             <a:endParaRPr lang="de-DE"/>
           </a:p>
@@ -2498,7 +2498,7 @@
           <a:p>
             <a:fld id="{5F8EFD36-9E63-4951-BEF9-F6B8ACF9848D}" type="datetime1">
               <a:rPr lang="de-DE" smtClean="0"/>
-              <a:t>05.01.2020</a:t>
+              <a:t>14.01.2020</a:t>
             </a:fld>
             <a:endParaRPr lang="de-DE"/>
           </a:p>
@@ -2625,7 +2625,7 @@
           <a:p>
             <a:fld id="{5809FACB-23B1-4A10-9D0A-328C6885745A}" type="datetime1">
               <a:rPr lang="de-DE" smtClean="0"/>
-              <a:t>05.01.2020</a:t>
+              <a:t>14.01.2020</a:t>
             </a:fld>
             <a:endParaRPr lang="de-DE"/>
           </a:p>
@@ -2952,7 +2952,7 @@
           <a:p>
             <a:fld id="{D34E0433-A910-4A2C-B27B-93E80F26180A}" type="datetime1">
               <a:rPr lang="de-DE" smtClean="0"/>
-              <a:t>05.01.2020</a:t>
+              <a:t>14.01.2020</a:t>
             </a:fld>
             <a:endParaRPr lang="de-DE"/>
           </a:p>
@@ -3255,7 +3255,7 @@
           <a:p>
             <a:fld id="{27D0816D-89A7-4D5C-8256-1B20355E25D9}" type="datetime1">
               <a:rPr lang="de-DE" smtClean="0"/>
-              <a:t>05.01.2020</a:t>
+              <a:t>14.01.2020</a:t>
             </a:fld>
             <a:endParaRPr lang="de-DE"/>
           </a:p>
@@ -3501,7 +3501,7 @@
           <a:p>
             <a:fld id="{96A0F86B-E49E-4FBD-A866-1ABC19B2F8A7}" type="datetime1">
               <a:rPr lang="de-DE" smtClean="0"/>
-              <a:t>05.01.2020</a:t>
+              <a:t>14.01.2020</a:t>
             </a:fld>
             <a:endParaRPr lang="de-DE"/>
           </a:p>
@@ -16285,46 +16285,6 @@
           <a:p>
             <a:r>
               <a:rPr lang="en-NZ" sz="1900" dirty="0" err="1"/>
-              <a:t>Anforderungen</a:t>
-            </a:r>
-            <a:r>
-              <a:rPr lang="en-NZ" sz="1900" dirty="0"/>
-              <a:t> </a:t>
-            </a:r>
-            <a:r>
-              <a:rPr lang="en-NZ" sz="1900" dirty="0" err="1"/>
-              <a:t>können</a:t>
-            </a:r>
-            <a:r>
-              <a:rPr lang="en-NZ" sz="1900" dirty="0"/>
-              <a:t> in 14 </a:t>
-            </a:r>
-            <a:r>
-              <a:rPr lang="en-NZ" sz="1900" dirty="0" err="1"/>
-              <a:t>Komponenten</a:t>
-            </a:r>
-            <a:r>
-              <a:rPr lang="en-NZ" sz="1900" dirty="0"/>
-              <a:t> </a:t>
-            </a:r>
-            <a:r>
-              <a:rPr lang="en-NZ" sz="1900" dirty="0" err="1"/>
-              <a:t>aufgeteilt</a:t>
-            </a:r>
-            <a:r>
-              <a:rPr lang="en-NZ" sz="1900" dirty="0"/>
-              <a:t> </a:t>
-            </a:r>
-            <a:r>
-              <a:rPr lang="en-NZ" sz="1900" dirty="0" err="1"/>
-              <a:t>werden</a:t>
-            </a:r>
-            <a:endParaRPr lang="en-NZ" sz="1900" dirty="0"/>
-          </a:p>
-          <a:p>
-            <a:pPr lvl="1"/>
-            <a:r>
-              <a:rPr lang="en-NZ" sz="1900" dirty="0" err="1"/>
               <a:t>Kontrolle</a:t>
             </a:r>
             <a:r>
@@ -17852,13 +17812,8 @@
             <a:pPr algn="ctr"/>
             <a:r>
               <a:rPr lang="en-NZ" dirty="0"/>
-              <a:t>Plan-Do-Check-Act </a:t>
-            </a:r>
-            <a:r>
-              <a:rPr lang="en-NZ" dirty="0" err="1"/>
-              <a:t>Zyklus</a:t>
-            </a:r>
-            <a:endParaRPr lang="en-NZ" dirty="0"/>
+              <a:t>Plan-Do-Check-Act Cycle</a:t>
+            </a:r>
           </a:p>
         </p:txBody>
       </p:sp>

--- a/merged.pptx
+++ b/merged.pptx
@@ -13735,7 +13735,7 @@
           <a:p>
             <a:r>
               <a:rPr lang="en-NZ" dirty="0" err="1"/>
-              <a:t>Risiko</a:t>
+              <a:t>Gefährlich</a:t>
             </a:r>
             <a:r>
               <a:rPr lang="en-NZ" dirty="0"/>
